--- a/img/cloud.pptx
+++ b/img/cloud.pptx
@@ -242,7 +242,7 @@
           <a:lstStyle/>
           <a:p>
             <a:fld id="{A09ED720-3790-2546-A44E-2646EB8C8EED}" type="datetimeFigureOut">
-              <a:t>15.06.20</a:t>
+              <a:t>30.07.20</a:t>
             </a:fld>
             <a:endParaRPr lang="de-DE"/>
           </a:p>
@@ -411,7 +411,7 @@
           <a:lstStyle/>
           <a:p>
             <a:fld id="{A09ED720-3790-2546-A44E-2646EB8C8EED}" type="datetimeFigureOut">
-              <a:t>15.06.20</a:t>
+              <a:t>30.07.20</a:t>
             </a:fld>
             <a:endParaRPr lang="de-DE"/>
           </a:p>
@@ -590,7 +590,7 @@
           <a:lstStyle/>
           <a:p>
             <a:fld id="{A09ED720-3790-2546-A44E-2646EB8C8EED}" type="datetimeFigureOut">
-              <a:t>15.06.20</a:t>
+              <a:t>30.07.20</a:t>
             </a:fld>
             <a:endParaRPr lang="de-DE"/>
           </a:p>
@@ -759,7 +759,7 @@
           <a:lstStyle/>
           <a:p>
             <a:fld id="{A09ED720-3790-2546-A44E-2646EB8C8EED}" type="datetimeFigureOut">
-              <a:t>15.06.20</a:t>
+              <a:t>30.07.20</a:t>
             </a:fld>
             <a:endParaRPr lang="de-DE"/>
           </a:p>
@@ -1004,7 +1004,7 @@
           <a:lstStyle/>
           <a:p>
             <a:fld id="{A09ED720-3790-2546-A44E-2646EB8C8EED}" type="datetimeFigureOut">
-              <a:t>15.06.20</a:t>
+              <a:t>30.07.20</a:t>
             </a:fld>
             <a:endParaRPr lang="de-DE"/>
           </a:p>
@@ -1235,7 +1235,7 @@
           <a:lstStyle/>
           <a:p>
             <a:fld id="{A09ED720-3790-2546-A44E-2646EB8C8EED}" type="datetimeFigureOut">
-              <a:t>15.06.20</a:t>
+              <a:t>30.07.20</a:t>
             </a:fld>
             <a:endParaRPr lang="de-DE"/>
           </a:p>
@@ -1601,7 +1601,7 @@
           <a:lstStyle/>
           <a:p>
             <a:fld id="{A09ED720-3790-2546-A44E-2646EB8C8EED}" type="datetimeFigureOut">
-              <a:t>15.06.20</a:t>
+              <a:t>30.07.20</a:t>
             </a:fld>
             <a:endParaRPr lang="de-DE"/>
           </a:p>
@@ -1718,7 +1718,7 @@
           <a:lstStyle/>
           <a:p>
             <a:fld id="{A09ED720-3790-2546-A44E-2646EB8C8EED}" type="datetimeFigureOut">
-              <a:t>15.06.20</a:t>
+              <a:t>30.07.20</a:t>
             </a:fld>
             <a:endParaRPr lang="de-DE"/>
           </a:p>
@@ -1812,7 +1812,7 @@
           <a:lstStyle/>
           <a:p>
             <a:fld id="{A09ED720-3790-2546-A44E-2646EB8C8EED}" type="datetimeFigureOut">
-              <a:t>15.06.20</a:t>
+              <a:t>30.07.20</a:t>
             </a:fld>
             <a:endParaRPr lang="de-DE"/>
           </a:p>
@@ -2088,7 +2088,7 @@
           <a:lstStyle/>
           <a:p>
             <a:fld id="{A09ED720-3790-2546-A44E-2646EB8C8EED}" type="datetimeFigureOut">
-              <a:t>15.06.20</a:t>
+              <a:t>30.07.20</a:t>
             </a:fld>
             <a:endParaRPr lang="de-DE"/>
           </a:p>
@@ -2344,7 +2344,7 @@
           <a:lstStyle/>
           <a:p>
             <a:fld id="{A09ED720-3790-2546-A44E-2646EB8C8EED}" type="datetimeFigureOut">
-              <a:t>15.06.20</a:t>
+              <a:t>30.07.20</a:t>
             </a:fld>
             <a:endParaRPr lang="de-DE"/>
           </a:p>
@@ -2556,7 +2556,7 @@
           </a:lstStyle>
           <a:p>
             <a:fld id="{A09ED720-3790-2546-A44E-2646EB8C8EED}" type="datetimeFigureOut">
-              <a:t>15.06.20</a:t>
+              <a:t>30.07.20</a:t>
             </a:fld>
             <a:endParaRPr lang="de-DE"/>
           </a:p>
@@ -3020,6 +3020,19 @@
               <a:t>Cloud</a:t>
             </a:r>
           </a:p>
+          <a:p>
+            <a:pPr algn="ctr"/>
+            <a:r>
+              <a:rPr lang="de-DE" sz="3000">
+                <a:solidFill>
+                  <a:schemeClr val="tx1"/>
+                </a:solidFill>
+                <a:latin typeface="Al Tarikh" pitchFamily="2" charset="-78"/>
+                <a:cs typeface="Al Tarikh" pitchFamily="2" charset="-78"/>
+              </a:rPr>
+              <a:t>Computing</a:t>
+            </a:r>
+          </a:p>
         </p:txBody>
       </p:sp>
       <p:cxnSp>
